--- a/nw.pptx
+++ b/nw.pptx
@@ -276,7 +276,7 @@
           <a:p>
             <a:fld id="{0BF52C64-C66D-4EA4-8D8F-B3A2E8FCFDCF}" type="datetimeFigureOut">
               <a:rPr lang="en-US" smtClean="0"/>
-              <a:t>3/20/2023</a:t>
+              <a:t>4/10/2023</a:t>
             </a:fld>
             <a:endParaRPr lang="en-US"/>
           </a:p>
@@ -474,7 +474,7 @@
           <a:p>
             <a:fld id="{0BF52C64-C66D-4EA4-8D8F-B3A2E8FCFDCF}" type="datetimeFigureOut">
               <a:rPr lang="en-US" smtClean="0"/>
-              <a:t>3/20/2023</a:t>
+              <a:t>4/10/2023</a:t>
             </a:fld>
             <a:endParaRPr lang="en-US"/>
           </a:p>
@@ -682,7 +682,7 @@
           <a:p>
             <a:fld id="{0BF52C64-C66D-4EA4-8D8F-B3A2E8FCFDCF}" type="datetimeFigureOut">
               <a:rPr lang="en-US" smtClean="0"/>
-              <a:t>3/20/2023</a:t>
+              <a:t>4/10/2023</a:t>
             </a:fld>
             <a:endParaRPr lang="en-US"/>
           </a:p>
@@ -880,7 +880,7 @@
           <a:p>
             <a:fld id="{0BF52C64-C66D-4EA4-8D8F-B3A2E8FCFDCF}" type="datetimeFigureOut">
               <a:rPr lang="en-US" smtClean="0"/>
-              <a:t>3/20/2023</a:t>
+              <a:t>4/10/2023</a:t>
             </a:fld>
             <a:endParaRPr lang="en-US"/>
           </a:p>
@@ -1155,7 +1155,7 @@
           <a:p>
             <a:fld id="{0BF52C64-C66D-4EA4-8D8F-B3A2E8FCFDCF}" type="datetimeFigureOut">
               <a:rPr lang="en-US" smtClean="0"/>
-              <a:t>3/20/2023</a:t>
+              <a:t>4/10/2023</a:t>
             </a:fld>
             <a:endParaRPr lang="en-US"/>
           </a:p>
@@ -1420,7 +1420,7 @@
           <a:p>
             <a:fld id="{0BF52C64-C66D-4EA4-8D8F-B3A2E8FCFDCF}" type="datetimeFigureOut">
               <a:rPr lang="en-US" smtClean="0"/>
-              <a:t>3/20/2023</a:t>
+              <a:t>4/10/2023</a:t>
             </a:fld>
             <a:endParaRPr lang="en-US"/>
           </a:p>
@@ -1832,7 +1832,7 @@
           <a:p>
             <a:fld id="{0BF52C64-C66D-4EA4-8D8F-B3A2E8FCFDCF}" type="datetimeFigureOut">
               <a:rPr lang="en-US" smtClean="0"/>
-              <a:t>3/20/2023</a:t>
+              <a:t>4/10/2023</a:t>
             </a:fld>
             <a:endParaRPr lang="en-US"/>
           </a:p>
@@ -1973,7 +1973,7 @@
           <a:p>
             <a:fld id="{0BF52C64-C66D-4EA4-8D8F-B3A2E8FCFDCF}" type="datetimeFigureOut">
               <a:rPr lang="en-US" smtClean="0"/>
-              <a:t>3/20/2023</a:t>
+              <a:t>4/10/2023</a:t>
             </a:fld>
             <a:endParaRPr lang="en-US"/>
           </a:p>
@@ -2086,7 +2086,7 @@
           <a:p>
             <a:fld id="{0BF52C64-C66D-4EA4-8D8F-B3A2E8FCFDCF}" type="datetimeFigureOut">
               <a:rPr lang="en-US" smtClean="0"/>
-              <a:t>3/20/2023</a:t>
+              <a:t>4/10/2023</a:t>
             </a:fld>
             <a:endParaRPr lang="en-US"/>
           </a:p>
@@ -2397,7 +2397,7 @@
           <a:p>
             <a:fld id="{0BF52C64-C66D-4EA4-8D8F-B3A2E8FCFDCF}" type="datetimeFigureOut">
               <a:rPr lang="en-US" smtClean="0"/>
-              <a:t>3/20/2023</a:t>
+              <a:t>4/10/2023</a:t>
             </a:fld>
             <a:endParaRPr lang="en-US"/>
           </a:p>
@@ -2685,7 +2685,7 @@
           <a:p>
             <a:fld id="{0BF52C64-C66D-4EA4-8D8F-B3A2E8FCFDCF}" type="datetimeFigureOut">
               <a:rPr lang="en-US" smtClean="0"/>
-              <a:t>3/20/2023</a:t>
+              <a:t>4/10/2023</a:t>
             </a:fld>
             <a:endParaRPr lang="en-US"/>
           </a:p>
@@ -2926,7 +2926,7 @@
           <a:p>
             <a:fld id="{0BF52C64-C66D-4EA4-8D8F-B3A2E8FCFDCF}" type="datetimeFigureOut">
               <a:rPr lang="en-US" smtClean="0"/>
-              <a:t>3/20/2023</a:t>
+              <a:t>4/10/2023</a:t>
             </a:fld>
             <a:endParaRPr lang="en-US"/>
           </a:p>
@@ -3357,8 +3357,8 @@
         </p:nvSpPr>
         <p:spPr>
           <a:xfrm>
-            <a:off x="2558641" y="2407640"/>
-            <a:ext cx="6711193" cy="954107"/>
+            <a:off x="2740403" y="2044005"/>
+            <a:ext cx="6711193" cy="1384995"/>
           </a:xfrm>
           <a:prstGeom prst="rect">
             <a:avLst/>
@@ -3374,7 +3374,7 @@
             <a:pPr algn="ctr"/>
             <a:r>
               <a:rPr lang="ru-RU" sz="2800" dirty="0"/>
-              <a:t>Использование нейросетей для распознования пожара.</a:t>
+              <a:t>Оптимизация выявления начала возгорания с использованием нейронных сетей.</a:t>
             </a:r>
             <a:endParaRPr lang="en-US" sz="2800" dirty="0"/>
           </a:p>
@@ -3822,8 +3822,8 @@
           </a:prstGeom>
         </p:spPr>
       </p:pic>
-      <mc:AlternateContent xmlns:mc="http://schemas.openxmlformats.org/markup-compatibility/2006">
-        <mc:Choice xmlns:a14="http://schemas.microsoft.com/office/drawing/2010/main" Requires="a14">
+      <mc:AlternateContent xmlns:mc="http://schemas.openxmlformats.org/markup-compatibility/2006" xmlns:a14="http://schemas.microsoft.com/office/drawing/2010/main">
+        <mc:Choice Requires="a14">
           <p:sp>
             <p:nvSpPr>
               <p:cNvPr id="6" name="TextBox 5">
@@ -3888,7 +3888,7 @@
             </p:txBody>
           </p:sp>
         </mc:Choice>
-        <mc:Fallback>
+        <mc:Fallback xmlns="">
           <p:sp>
             <p:nvSpPr>
               <p:cNvPr id="6" name="TextBox 5">
